--- a/5.Crypto/less math slides/Cryptology5-Public-Key-RSA-Math.pptx
+++ b/5.Crypto/less math slides/Cryptology5-Public-Key-RSA-Math.pptx
@@ -210,7 +210,7 @@
           <a:p>
             <a:fld id="{289BAD8F-4DB2-4D2A-B008-EF14D15C42D2}" type="datetimeFigureOut">
               <a:rPr lang="en-US" smtClean="0"/>
-              <a:t>2/20/2020</a:t>
+              <a:t>8/19/2020</a:t>
             </a:fld>
             <a:endParaRPr lang="en-US"/>
           </a:p>
@@ -921,7 +921,7 @@
           <a:p>
             <a:r>
               <a:rPr lang="en-US" dirty="0"/>
-              <a:t>This is probably the key to cryptography in the real world.  Developers use very secure algorithms in their software (RSA 2048, AES 256, etc.) but make some minor implementation error.  The secure algorithms are still secure, but the error causes the entire system to unravel.</a:t>
+              <a:t>This is probably the key to cryptography in the real world.  Developers use very secure algorithms in their software (RSA 2048, AES 256, etc.) but may make some minor implementation error.  The secure algorithms are still secure, but the error causes the entire system to unravel.</a:t>
             </a:r>
           </a:p>
           <a:p>
@@ -939,13 +939,8 @@
           <a:p>
             <a:r>
               <a:rPr lang="en-US" dirty="0"/>
-              <a:t>Even if the bug is obscure and difficult, once it is published </a:t>
-            </a:r>
-            <a:r>
-              <a:rPr lang="en-US"/>
-              <a:t>your security is gone.</a:t>
-            </a:r>
-            <a:endParaRPr lang="en-US" dirty="0"/>
+              <a:t>Even if the bug is obscure and difficult, once it is published your security is gone.</a:t>
+            </a:r>
           </a:p>
         </p:txBody>
       </p:sp>
@@ -1057,7 +1052,7 @@
           <a:p>
             <a:r>
               <a:rPr lang="en-US" dirty="0"/>
-              <a:t>-p and q both be large (in the vicinity of 1024 bits for 2048 bit encryption) and close to the same size.  “Cryptography Engineering”, </a:t>
+              <a:t>-p and q both be large (in the vicinity of 1024 bits for 2048-bit encryption) and close to the same size.  “Cryptography Engineering”, </a:t>
             </a:r>
             <a:r>
               <a:rPr lang="en-US" dirty="0" err="1"/>
@@ -1074,7 +1069,7 @@
           <a:p>
             <a:r>
               <a:rPr lang="en-US" dirty="0"/>
-              <a:t>Rather than use some formula to find p or q, we simply pick a random number of the proper number of bits.  Then we test the number to see if it is prime.  Obviously we will pick a lot of numbers that are not prime, and will have to use a lot of random numbers until we find one that is prime.  This is why key generation is slow for small computers and routers.</a:t>
+              <a:t>Rather than use some formula to find p or q, we simply pick a random number of the proper number of bits.  Then we test the number to see if it is prime.  Obviously, we will pick a lot of numbers that are not prime, and will have to use a lot of random numbers until we find one that is prime.  This is why key generation is slow for small computers and routers.</a:t>
             </a:r>
           </a:p>
           <a:p>
@@ -1083,7 +1078,7 @@
           <a:p>
             <a:r>
               <a:rPr lang="en-US" dirty="0"/>
-              <a:t>Probabilities from “understanding Cryptography,” Parr and </a:t>
+              <a:t>Probabilities from “Understanding Cryptography,” Parr and </a:t>
             </a:r>
             <a:r>
               <a:rPr lang="en-US" dirty="0" err="1"/>
@@ -1178,7 +1173,7 @@
           <a:p>
             <a:r>
               <a:rPr lang="en-US" dirty="0"/>
-              <a:t>Testing a number for primality is fairly efficient (factoring a large number is hard.)  Still, your computer may have to test many random numbers to find a prime.  (The average number of attempts for a 1024 number is 355, but generating a number could easily take 500.  Since you need two numbers, it may take 1000 attempts in total.</a:t>
+              <a:t>Testing a number for primality is fairly efficient (factoring a large number is hard.)  Still, your computer may have to test many random numbers to find a prime.  (The average number of attempts for a 1024 number is 355 but generating a number could easily take 500.  Since you need two numbers, it may take 1000 or more attempts in total.</a:t>
             </a:r>
           </a:p>
           <a:p>
@@ -2603,7 +2598,7 @@
           <a:p>
             <a:fld id="{967C471C-5AC8-4A7E-A353-B9ADC61BE9F7}" type="datetimeFigureOut">
               <a:rPr lang="en-US" smtClean="0"/>
-              <a:t>2/20/2020</a:t>
+              <a:t>8/19/2020</a:t>
             </a:fld>
             <a:endParaRPr lang="en-US"/>
           </a:p>
@@ -2801,7 +2796,7 @@
           <a:p>
             <a:fld id="{967C471C-5AC8-4A7E-A353-B9ADC61BE9F7}" type="datetimeFigureOut">
               <a:rPr lang="en-US" smtClean="0"/>
-              <a:t>2/20/2020</a:t>
+              <a:t>8/19/2020</a:t>
             </a:fld>
             <a:endParaRPr lang="en-US"/>
           </a:p>
@@ -3009,7 +3004,7 @@
           <a:p>
             <a:fld id="{967C471C-5AC8-4A7E-A353-B9ADC61BE9F7}" type="datetimeFigureOut">
               <a:rPr lang="en-US" smtClean="0"/>
-              <a:t>2/20/2020</a:t>
+              <a:t>8/19/2020</a:t>
             </a:fld>
             <a:endParaRPr lang="en-US"/>
           </a:p>
@@ -3207,7 +3202,7 @@
           <a:p>
             <a:fld id="{967C471C-5AC8-4A7E-A353-B9ADC61BE9F7}" type="datetimeFigureOut">
               <a:rPr lang="en-US" smtClean="0"/>
-              <a:t>2/20/2020</a:t>
+              <a:t>8/19/2020</a:t>
             </a:fld>
             <a:endParaRPr lang="en-US"/>
           </a:p>
@@ -3482,7 +3477,7 @@
           <a:p>
             <a:fld id="{967C471C-5AC8-4A7E-A353-B9ADC61BE9F7}" type="datetimeFigureOut">
               <a:rPr lang="en-US" smtClean="0"/>
-              <a:t>2/20/2020</a:t>
+              <a:t>8/19/2020</a:t>
             </a:fld>
             <a:endParaRPr lang="en-US"/>
           </a:p>
@@ -3747,7 +3742,7 @@
           <a:p>
             <a:fld id="{967C471C-5AC8-4A7E-A353-B9ADC61BE9F7}" type="datetimeFigureOut">
               <a:rPr lang="en-US" smtClean="0"/>
-              <a:t>2/20/2020</a:t>
+              <a:t>8/19/2020</a:t>
             </a:fld>
             <a:endParaRPr lang="en-US"/>
           </a:p>
@@ -4159,7 +4154,7 @@
           <a:p>
             <a:fld id="{967C471C-5AC8-4A7E-A353-B9ADC61BE9F7}" type="datetimeFigureOut">
               <a:rPr lang="en-US" smtClean="0"/>
-              <a:t>2/20/2020</a:t>
+              <a:t>8/19/2020</a:t>
             </a:fld>
             <a:endParaRPr lang="en-US"/>
           </a:p>
@@ -4300,7 +4295,7 @@
           <a:p>
             <a:fld id="{967C471C-5AC8-4A7E-A353-B9ADC61BE9F7}" type="datetimeFigureOut">
               <a:rPr lang="en-US" smtClean="0"/>
-              <a:t>2/20/2020</a:t>
+              <a:t>8/19/2020</a:t>
             </a:fld>
             <a:endParaRPr lang="en-US"/>
           </a:p>
@@ -4413,7 +4408,7 @@
           <a:p>
             <a:fld id="{967C471C-5AC8-4A7E-A353-B9ADC61BE9F7}" type="datetimeFigureOut">
               <a:rPr lang="en-US" smtClean="0"/>
-              <a:t>2/20/2020</a:t>
+              <a:t>8/19/2020</a:t>
             </a:fld>
             <a:endParaRPr lang="en-US"/>
           </a:p>
@@ -4724,7 +4719,7 @@
           <a:p>
             <a:fld id="{967C471C-5AC8-4A7E-A353-B9ADC61BE9F7}" type="datetimeFigureOut">
               <a:rPr lang="en-US" smtClean="0"/>
-              <a:t>2/20/2020</a:t>
+              <a:t>8/19/2020</a:t>
             </a:fld>
             <a:endParaRPr lang="en-US"/>
           </a:p>
@@ -5012,7 +5007,7 @@
           <a:p>
             <a:fld id="{967C471C-5AC8-4A7E-A353-B9ADC61BE9F7}" type="datetimeFigureOut">
               <a:rPr lang="en-US" smtClean="0"/>
-              <a:t>2/20/2020</a:t>
+              <a:t>8/19/2020</a:t>
             </a:fld>
             <a:endParaRPr lang="en-US"/>
           </a:p>
@@ -5253,7 +5248,7 @@
           <a:p>
             <a:fld id="{967C471C-5AC8-4A7E-A353-B9ADC61BE9F7}" type="datetimeFigureOut">
               <a:rPr lang="en-US" smtClean="0"/>
-              <a:t>2/20/2020</a:t>
+              <a:t>8/19/2020</a:t>
             </a:fld>
             <a:endParaRPr lang="en-US"/>
           </a:p>
